--- a/SERV presentation.pptx
+++ b/SERV presentation.pptx
@@ -205,7 +205,7 @@
           <a:p>
             <a:fld id="{771EE6CA-6BAA-43AA-A1D7-9AE5301E938D}" type="datetimeFigureOut">
               <a:rPr lang="en-US" smtClean="0"/>
-              <a:t>2/2/2020</a:t>
+              <a:t>2/3/2020</a:t>
             </a:fld>
             <a:endParaRPr lang="en-US"/>
           </a:p>
@@ -1110,7 +1110,7 @@
             <a:fld id="{B61BEF0D-F0BB-DE4B-95CE-6DB70DBA9567}" type="datetimeFigureOut">
               <a:rPr lang="en-US" smtClean="0"/>
               <a:pPr/>
-              <a:t>2/2/2020</a:t>
+              <a:t>2/3/2020</a:t>
             </a:fld>
             <a:endParaRPr lang="en-US" dirty="0"/>
           </a:p>
@@ -1447,7 +1447,7 @@
             <a:fld id="{B61BEF0D-F0BB-DE4B-95CE-6DB70DBA9567}" type="datetimeFigureOut">
               <a:rPr lang="en-US" smtClean="0"/>
               <a:pPr/>
-              <a:t>2/2/2020</a:t>
+              <a:t>2/3/2020</a:t>
             </a:fld>
             <a:endParaRPr lang="en-US" dirty="0"/>
           </a:p>
@@ -1752,7 +1752,7 @@
             <a:fld id="{B61BEF0D-F0BB-DE4B-95CE-6DB70DBA9567}" type="datetimeFigureOut">
               <a:rPr lang="en-US" smtClean="0"/>
               <a:pPr/>
-              <a:t>2/2/2020</a:t>
+              <a:t>2/3/2020</a:t>
             </a:fld>
             <a:endParaRPr lang="en-US" dirty="0"/>
           </a:p>
@@ -2002,7 +2002,7 @@
             <a:fld id="{B61BEF0D-F0BB-DE4B-95CE-6DB70DBA9567}" type="datetimeFigureOut">
               <a:rPr lang="en-US" smtClean="0"/>
               <a:pPr/>
-              <a:t>2/2/2020</a:t>
+              <a:t>2/3/2020</a:t>
             </a:fld>
             <a:endParaRPr lang="en-US" dirty="0"/>
           </a:p>
@@ -2412,7 +2412,7 @@
             <a:fld id="{B61BEF0D-F0BB-DE4B-95CE-6DB70DBA9567}" type="datetimeFigureOut">
               <a:rPr lang="en-US" smtClean="0"/>
               <a:pPr/>
-              <a:t>2/2/2020</a:t>
+              <a:t>2/3/2020</a:t>
             </a:fld>
             <a:endParaRPr lang="en-US" dirty="0"/>
           </a:p>
@@ -2729,7 +2729,7 @@
             <a:fld id="{B61BEF0D-F0BB-DE4B-95CE-6DB70DBA9567}" type="datetimeFigureOut">
               <a:rPr lang="en-US" smtClean="0"/>
               <a:pPr/>
-              <a:t>2/2/2020</a:t>
+              <a:t>2/3/2020</a:t>
             </a:fld>
             <a:endParaRPr lang="en-US" dirty="0"/>
           </a:p>
@@ -3276,7 +3276,7 @@
             <a:fld id="{B61BEF0D-F0BB-DE4B-95CE-6DB70DBA9567}" type="datetimeFigureOut">
               <a:rPr lang="en-US" smtClean="0"/>
               <a:pPr/>
-              <a:t>2/2/2020</a:t>
+              <a:t>2/3/2020</a:t>
             </a:fld>
             <a:endParaRPr lang="en-US" dirty="0"/>
           </a:p>
@@ -3474,7 +3474,7 @@
             <a:fld id="{B61BEF0D-F0BB-DE4B-95CE-6DB70DBA9567}" type="datetimeFigureOut">
               <a:rPr lang="en-US" smtClean="0"/>
               <a:pPr/>
-              <a:t>2/2/2020</a:t>
+              <a:t>2/3/2020</a:t>
             </a:fld>
             <a:endParaRPr lang="en-US" dirty="0"/>
           </a:p>
@@ -3690,7 +3690,7 @@
             <a:fld id="{B61BEF0D-F0BB-DE4B-95CE-6DB70DBA9567}" type="datetimeFigureOut">
               <a:rPr lang="en-US" smtClean="0"/>
               <a:pPr/>
-              <a:t>2/2/2020</a:t>
+              <a:t>2/3/2020</a:t>
             </a:fld>
             <a:endParaRPr lang="en-US" dirty="0"/>
           </a:p>
@@ -4062,7 +4062,7 @@
             <a:fld id="{B61BEF0D-F0BB-DE4B-95CE-6DB70DBA9567}" type="datetimeFigureOut">
               <a:rPr lang="en-US" smtClean="0"/>
               <a:pPr/>
-              <a:t>2/2/2020</a:t>
+              <a:t>2/3/2020</a:t>
             </a:fld>
             <a:endParaRPr lang="en-US" dirty="0"/>
           </a:p>
@@ -4468,7 +4468,7 @@
             <a:fld id="{B61BEF0D-F0BB-DE4B-95CE-6DB70DBA9567}" type="datetimeFigureOut">
               <a:rPr lang="en-US" smtClean="0"/>
               <a:pPr/>
-              <a:t>2/2/2020</a:t>
+              <a:t>2/3/2020</a:t>
             </a:fld>
             <a:endParaRPr lang="en-US" dirty="0"/>
           </a:p>
@@ -4782,7 +4782,7 @@
             <a:fld id="{B61BEF0D-F0BB-DE4B-95CE-6DB70DBA9567}" type="datetimeFigureOut">
               <a:rPr lang="en-US" smtClean="0"/>
               <a:pPr/>
-              <a:t>2/2/2020</a:t>
+              <a:t>2/3/2020</a:t>
             </a:fld>
             <a:endParaRPr lang="en-US" dirty="0"/>
           </a:p>
@@ -6612,7 +6612,7 @@
             </a:pPr>
             <a:r>
               <a:rPr lang="en-US" sz="1800" b="1" dirty="0"/>
-              <a:t>Kayleigh Thomas</a:t>
+              <a:t>Alek Thomas</a:t>
             </a:r>
             <a:r>
               <a:rPr lang="en-US" sz="1800" dirty="0"/>
